--- a/FINAL/PT3.pptx
+++ b/FINAL/PT3.pptx
@@ -264,7 +264,7 @@
           <a:p>
             <a:fld id="{55395BF8-FBF7-4AEE-A997-CC7D27C40B92}" type="datetimeFigureOut">
               <a:rPr lang="zh-TW" altLang="en-US" smtClean="0"/>
-              <a:t>2019/12/21</a:t>
+              <a:t>2019/12/22</a:t>
             </a:fld>
             <a:endParaRPr lang="zh-TW" altLang="en-US"/>
           </a:p>
@@ -462,7 +462,7 @@
           <a:p>
             <a:fld id="{55395BF8-FBF7-4AEE-A997-CC7D27C40B92}" type="datetimeFigureOut">
               <a:rPr lang="zh-TW" altLang="en-US" smtClean="0"/>
-              <a:t>2019/12/21</a:t>
+              <a:t>2019/12/22</a:t>
             </a:fld>
             <a:endParaRPr lang="zh-TW" altLang="en-US"/>
           </a:p>
@@ -670,7 +670,7 @@
           <a:p>
             <a:fld id="{55395BF8-FBF7-4AEE-A997-CC7D27C40B92}" type="datetimeFigureOut">
               <a:rPr lang="zh-TW" altLang="en-US" smtClean="0"/>
-              <a:t>2019/12/21</a:t>
+              <a:t>2019/12/22</a:t>
             </a:fld>
             <a:endParaRPr lang="zh-TW" altLang="en-US"/>
           </a:p>
@@ -868,7 +868,7 @@
           <a:p>
             <a:fld id="{55395BF8-FBF7-4AEE-A997-CC7D27C40B92}" type="datetimeFigureOut">
               <a:rPr lang="zh-TW" altLang="en-US" smtClean="0"/>
-              <a:t>2019/12/21</a:t>
+              <a:t>2019/12/22</a:t>
             </a:fld>
             <a:endParaRPr lang="zh-TW" altLang="en-US"/>
           </a:p>
@@ -1143,7 +1143,7 @@
           <a:p>
             <a:fld id="{55395BF8-FBF7-4AEE-A997-CC7D27C40B92}" type="datetimeFigureOut">
               <a:rPr lang="zh-TW" altLang="en-US" smtClean="0"/>
-              <a:t>2019/12/21</a:t>
+              <a:t>2019/12/22</a:t>
             </a:fld>
             <a:endParaRPr lang="zh-TW" altLang="en-US"/>
           </a:p>
@@ -1408,7 +1408,7 @@
           <a:p>
             <a:fld id="{55395BF8-FBF7-4AEE-A997-CC7D27C40B92}" type="datetimeFigureOut">
               <a:rPr lang="zh-TW" altLang="en-US" smtClean="0"/>
-              <a:t>2019/12/21</a:t>
+              <a:t>2019/12/22</a:t>
             </a:fld>
             <a:endParaRPr lang="zh-TW" altLang="en-US"/>
           </a:p>
@@ -1820,7 +1820,7 @@
           <a:p>
             <a:fld id="{55395BF8-FBF7-4AEE-A997-CC7D27C40B92}" type="datetimeFigureOut">
               <a:rPr lang="zh-TW" altLang="en-US" smtClean="0"/>
-              <a:t>2019/12/21</a:t>
+              <a:t>2019/12/22</a:t>
             </a:fld>
             <a:endParaRPr lang="zh-TW" altLang="en-US"/>
           </a:p>
@@ -1961,7 +1961,7 @@
           <a:p>
             <a:fld id="{55395BF8-FBF7-4AEE-A997-CC7D27C40B92}" type="datetimeFigureOut">
               <a:rPr lang="zh-TW" altLang="en-US" smtClean="0"/>
-              <a:t>2019/12/21</a:t>
+              <a:t>2019/12/22</a:t>
             </a:fld>
             <a:endParaRPr lang="zh-TW" altLang="en-US"/>
           </a:p>
@@ -2074,7 +2074,7 @@
           <a:p>
             <a:fld id="{55395BF8-FBF7-4AEE-A997-CC7D27C40B92}" type="datetimeFigureOut">
               <a:rPr lang="zh-TW" altLang="en-US" smtClean="0"/>
-              <a:t>2019/12/21</a:t>
+              <a:t>2019/12/22</a:t>
             </a:fld>
             <a:endParaRPr lang="zh-TW" altLang="en-US"/>
           </a:p>
@@ -2385,7 +2385,7 @@
           <a:p>
             <a:fld id="{55395BF8-FBF7-4AEE-A997-CC7D27C40B92}" type="datetimeFigureOut">
               <a:rPr lang="zh-TW" altLang="en-US" smtClean="0"/>
-              <a:t>2019/12/21</a:t>
+              <a:t>2019/12/22</a:t>
             </a:fld>
             <a:endParaRPr lang="zh-TW" altLang="en-US"/>
           </a:p>
@@ -2673,7 +2673,7 @@
           <a:p>
             <a:fld id="{55395BF8-FBF7-4AEE-A997-CC7D27C40B92}" type="datetimeFigureOut">
               <a:rPr lang="zh-TW" altLang="en-US" smtClean="0"/>
-              <a:t>2019/12/21</a:t>
+              <a:t>2019/12/22</a:t>
             </a:fld>
             <a:endParaRPr lang="zh-TW" altLang="en-US"/>
           </a:p>
@@ -2914,7 +2914,7 @@
           <a:p>
             <a:fld id="{55395BF8-FBF7-4AEE-A997-CC7D27C40B92}" type="datetimeFigureOut">
               <a:rPr lang="zh-TW" altLang="en-US" smtClean="0"/>
-              <a:t>2019/12/21</a:t>
+              <a:t>2019/12/22</a:t>
             </a:fld>
             <a:endParaRPr lang="zh-TW" altLang="en-US"/>
           </a:p>
@@ -3383,7 +3383,7 @@
           <p:nvPr>
             <p:extLst>
               <p:ext uri="{D42A27DB-BD31-4B8C-83A1-F6EECF244321}">
-                <p14:modId xmlns:p14="http://schemas.microsoft.com/office/powerpoint/2010/main" val="1672003591"/>
+                <p14:modId xmlns:p14="http://schemas.microsoft.com/office/powerpoint/2010/main" val="2432867332"/>
               </p:ext>
             </p:extLst>
           </p:nvPr>
@@ -3554,7 +3554,7 @@
                     <a:p>
                       <a:r>
                         <a:rPr lang="zh-TW" altLang="en-US" dirty="0"/>
-                        <a:t>王怡萱</a:t>
+                        <a:t>巫怡萱</a:t>
                       </a:r>
                     </a:p>
                   </a:txBody>
@@ -3589,7 +3589,15 @@
                     <a:p>
                       <a:r>
                         <a:rPr lang="zh-TW" altLang="en-US" dirty="0"/>
-                        <a:t>巫怡茜</a:t>
+                        <a:t>王</a:t>
+                      </a:r>
+                      <a:r>
+                        <a:rPr lang="zh-TW" altLang="en-US"/>
+                        <a:t>怡</a:t>
+                      </a:r>
+                      <a:r>
+                        <a:rPr lang="zh-TW" altLang="en-US" dirty="0"/>
+                        <a:t>茜</a:t>
                       </a:r>
                     </a:p>
                   </a:txBody>

--- a/FINAL/PT3.pptx
+++ b/FINAL/PT3.pptx
@@ -111,7 +111,7 @@
   </p:defaultTextStyle>
   <p:extLst>
     <p:ext uri="{EFAFB233-063F-42B5-8137-9DF3F51BA10A}">
-      <p15:sldGuideLst xmlns:p15="http://schemas.microsoft.com/office/powerpoint/2012/main"/>
+      <p15:sldGuideLst xmlns:p15="http://schemas.microsoft.com/office/powerpoint/2012/main" xmlns=""/>
     </p:ext>
   </p:extLst>
 </p:presentation>
@@ -139,7 +139,7 @@
           <p:cNvPr id="2" name="標題 1">
             <a:extLst>
               <a:ext uri="{FF2B5EF4-FFF2-40B4-BE49-F238E27FC236}">
-                <a16:creationId xmlns:a16="http://schemas.microsoft.com/office/drawing/2014/main" id="{42C1882B-5B00-4A11-9E22-34D2A518FD16}"/>
+                <a16:creationId xmlns:a16="http://schemas.microsoft.com/office/drawing/2014/main" xmlns="" id="{42C1882B-5B00-4A11-9E22-34D2A518FD16}"/>
               </a:ext>
             </a:extLst>
           </p:cNvPr>
@@ -176,7 +176,7 @@
           <p:cNvPr id="3" name="副標題 2">
             <a:extLst>
               <a:ext uri="{FF2B5EF4-FFF2-40B4-BE49-F238E27FC236}">
-                <a16:creationId xmlns:a16="http://schemas.microsoft.com/office/drawing/2014/main" id="{4EB129B0-4BD5-4834-9B03-4B796404FA2D}"/>
+                <a16:creationId xmlns:a16="http://schemas.microsoft.com/office/drawing/2014/main" xmlns="" id="{4EB129B0-4BD5-4834-9B03-4B796404FA2D}"/>
               </a:ext>
             </a:extLst>
           </p:cNvPr>
@@ -246,7 +246,7 @@
           <p:cNvPr id="4" name="日期版面配置區 3">
             <a:extLst>
               <a:ext uri="{FF2B5EF4-FFF2-40B4-BE49-F238E27FC236}">
-                <a16:creationId xmlns:a16="http://schemas.microsoft.com/office/drawing/2014/main" id="{69F2C832-B542-4A11-B40A-E57B67F9ABB7}"/>
+                <a16:creationId xmlns:a16="http://schemas.microsoft.com/office/drawing/2014/main" xmlns="" id="{69F2C832-B542-4A11-B40A-E57B67F9ABB7}"/>
               </a:ext>
             </a:extLst>
           </p:cNvPr>
@@ -264,7 +264,7 @@
           <a:p>
             <a:fld id="{55395BF8-FBF7-4AEE-A997-CC7D27C40B92}" type="datetimeFigureOut">
               <a:rPr lang="zh-TW" altLang="en-US" smtClean="0"/>
-              <a:t>2019/12/22</a:t>
+              <a:t>2019/12/23</a:t>
             </a:fld>
             <a:endParaRPr lang="zh-TW" altLang="en-US"/>
           </a:p>
@@ -275,7 +275,7 @@
           <p:cNvPr id="5" name="頁尾版面配置區 4">
             <a:extLst>
               <a:ext uri="{FF2B5EF4-FFF2-40B4-BE49-F238E27FC236}">
-                <a16:creationId xmlns:a16="http://schemas.microsoft.com/office/drawing/2014/main" id="{88BB708E-B059-44FC-9B30-C5C82B4B12DA}"/>
+                <a16:creationId xmlns:a16="http://schemas.microsoft.com/office/drawing/2014/main" xmlns="" id="{88BB708E-B059-44FC-9B30-C5C82B4B12DA}"/>
               </a:ext>
             </a:extLst>
           </p:cNvPr>
@@ -300,7 +300,7 @@
           <p:cNvPr id="6" name="投影片編號版面配置區 5">
             <a:extLst>
               <a:ext uri="{FF2B5EF4-FFF2-40B4-BE49-F238E27FC236}">
-                <a16:creationId xmlns:a16="http://schemas.microsoft.com/office/drawing/2014/main" id="{037AEACE-3818-46E4-8B03-6CD09C919EC9}"/>
+                <a16:creationId xmlns:a16="http://schemas.microsoft.com/office/drawing/2014/main" xmlns="" id="{037AEACE-3818-46E4-8B03-6CD09C919EC9}"/>
               </a:ext>
             </a:extLst>
           </p:cNvPr>
@@ -359,7 +359,7 @@
           <p:cNvPr id="2" name="標題 1">
             <a:extLst>
               <a:ext uri="{FF2B5EF4-FFF2-40B4-BE49-F238E27FC236}">
-                <a16:creationId xmlns:a16="http://schemas.microsoft.com/office/drawing/2014/main" id="{FA2123F8-DD59-4A2E-83C8-2CE3A999FB36}"/>
+                <a16:creationId xmlns:a16="http://schemas.microsoft.com/office/drawing/2014/main" xmlns="" id="{FA2123F8-DD59-4A2E-83C8-2CE3A999FB36}"/>
               </a:ext>
             </a:extLst>
           </p:cNvPr>
@@ -387,7 +387,7 @@
           <p:cNvPr id="3" name="直排文字版面配置區 2">
             <a:extLst>
               <a:ext uri="{FF2B5EF4-FFF2-40B4-BE49-F238E27FC236}">
-                <a16:creationId xmlns:a16="http://schemas.microsoft.com/office/drawing/2014/main" id="{5748B1C7-C911-499A-8D4C-E2114FF3D22D}"/>
+                <a16:creationId xmlns:a16="http://schemas.microsoft.com/office/drawing/2014/main" xmlns="" id="{5748B1C7-C911-499A-8D4C-E2114FF3D22D}"/>
               </a:ext>
             </a:extLst>
           </p:cNvPr>
@@ -444,7 +444,7 @@
           <p:cNvPr id="4" name="日期版面配置區 3">
             <a:extLst>
               <a:ext uri="{FF2B5EF4-FFF2-40B4-BE49-F238E27FC236}">
-                <a16:creationId xmlns:a16="http://schemas.microsoft.com/office/drawing/2014/main" id="{98F557DE-7AAA-414E-AECF-3E1D5804D24E}"/>
+                <a16:creationId xmlns:a16="http://schemas.microsoft.com/office/drawing/2014/main" xmlns="" id="{98F557DE-7AAA-414E-AECF-3E1D5804D24E}"/>
               </a:ext>
             </a:extLst>
           </p:cNvPr>
@@ -462,7 +462,7 @@
           <a:p>
             <a:fld id="{55395BF8-FBF7-4AEE-A997-CC7D27C40B92}" type="datetimeFigureOut">
               <a:rPr lang="zh-TW" altLang="en-US" smtClean="0"/>
-              <a:t>2019/12/22</a:t>
+              <a:t>2019/12/23</a:t>
             </a:fld>
             <a:endParaRPr lang="zh-TW" altLang="en-US"/>
           </a:p>
@@ -473,7 +473,7 @@
           <p:cNvPr id="5" name="頁尾版面配置區 4">
             <a:extLst>
               <a:ext uri="{FF2B5EF4-FFF2-40B4-BE49-F238E27FC236}">
-                <a16:creationId xmlns:a16="http://schemas.microsoft.com/office/drawing/2014/main" id="{FDBEA4CD-A605-471F-9EC8-C3EB41A61B68}"/>
+                <a16:creationId xmlns:a16="http://schemas.microsoft.com/office/drawing/2014/main" xmlns="" id="{FDBEA4CD-A605-471F-9EC8-C3EB41A61B68}"/>
               </a:ext>
             </a:extLst>
           </p:cNvPr>
@@ -498,7 +498,7 @@
           <p:cNvPr id="6" name="投影片編號版面配置區 5">
             <a:extLst>
               <a:ext uri="{FF2B5EF4-FFF2-40B4-BE49-F238E27FC236}">
-                <a16:creationId xmlns:a16="http://schemas.microsoft.com/office/drawing/2014/main" id="{CEE32D84-52F3-45CD-B7D6-89F9CF9BC800}"/>
+                <a16:creationId xmlns:a16="http://schemas.microsoft.com/office/drawing/2014/main" xmlns="" id="{CEE32D84-52F3-45CD-B7D6-89F9CF9BC800}"/>
               </a:ext>
             </a:extLst>
           </p:cNvPr>
@@ -557,7 +557,7 @@
           <p:cNvPr id="2" name="直排標題 1">
             <a:extLst>
               <a:ext uri="{FF2B5EF4-FFF2-40B4-BE49-F238E27FC236}">
-                <a16:creationId xmlns:a16="http://schemas.microsoft.com/office/drawing/2014/main" id="{C3899BFE-2581-4891-8549-BED2E4E914D8}"/>
+                <a16:creationId xmlns:a16="http://schemas.microsoft.com/office/drawing/2014/main" xmlns="" id="{C3899BFE-2581-4891-8549-BED2E4E914D8}"/>
               </a:ext>
             </a:extLst>
           </p:cNvPr>
@@ -590,7 +590,7 @@
           <p:cNvPr id="3" name="直排文字版面配置區 2">
             <a:extLst>
               <a:ext uri="{FF2B5EF4-FFF2-40B4-BE49-F238E27FC236}">
-                <a16:creationId xmlns:a16="http://schemas.microsoft.com/office/drawing/2014/main" id="{20FBAE19-E314-4ED4-8367-6A61CFEF3819}"/>
+                <a16:creationId xmlns:a16="http://schemas.microsoft.com/office/drawing/2014/main" xmlns="" id="{20FBAE19-E314-4ED4-8367-6A61CFEF3819}"/>
               </a:ext>
             </a:extLst>
           </p:cNvPr>
@@ -652,7 +652,7 @@
           <p:cNvPr id="4" name="日期版面配置區 3">
             <a:extLst>
               <a:ext uri="{FF2B5EF4-FFF2-40B4-BE49-F238E27FC236}">
-                <a16:creationId xmlns:a16="http://schemas.microsoft.com/office/drawing/2014/main" id="{92080722-61C3-48AC-9F64-7E7016F4BD29}"/>
+                <a16:creationId xmlns:a16="http://schemas.microsoft.com/office/drawing/2014/main" xmlns="" id="{92080722-61C3-48AC-9F64-7E7016F4BD29}"/>
               </a:ext>
             </a:extLst>
           </p:cNvPr>
@@ -670,7 +670,7 @@
           <a:p>
             <a:fld id="{55395BF8-FBF7-4AEE-A997-CC7D27C40B92}" type="datetimeFigureOut">
               <a:rPr lang="zh-TW" altLang="en-US" smtClean="0"/>
-              <a:t>2019/12/22</a:t>
+              <a:t>2019/12/23</a:t>
             </a:fld>
             <a:endParaRPr lang="zh-TW" altLang="en-US"/>
           </a:p>
@@ -681,7 +681,7 @@
           <p:cNvPr id="5" name="頁尾版面配置區 4">
             <a:extLst>
               <a:ext uri="{FF2B5EF4-FFF2-40B4-BE49-F238E27FC236}">
-                <a16:creationId xmlns:a16="http://schemas.microsoft.com/office/drawing/2014/main" id="{694F6D21-B642-4FBE-A1E6-245D4CC3B8EE}"/>
+                <a16:creationId xmlns:a16="http://schemas.microsoft.com/office/drawing/2014/main" xmlns="" id="{694F6D21-B642-4FBE-A1E6-245D4CC3B8EE}"/>
               </a:ext>
             </a:extLst>
           </p:cNvPr>
@@ -706,7 +706,7 @@
           <p:cNvPr id="6" name="投影片編號版面配置區 5">
             <a:extLst>
               <a:ext uri="{FF2B5EF4-FFF2-40B4-BE49-F238E27FC236}">
-                <a16:creationId xmlns:a16="http://schemas.microsoft.com/office/drawing/2014/main" id="{BCC66888-8DE4-4A74-8B71-0090DA9AA599}"/>
+                <a16:creationId xmlns:a16="http://schemas.microsoft.com/office/drawing/2014/main" xmlns="" id="{BCC66888-8DE4-4A74-8B71-0090DA9AA599}"/>
               </a:ext>
             </a:extLst>
           </p:cNvPr>
@@ -765,7 +765,7 @@
           <p:cNvPr id="2" name="標題 1">
             <a:extLst>
               <a:ext uri="{FF2B5EF4-FFF2-40B4-BE49-F238E27FC236}">
-                <a16:creationId xmlns:a16="http://schemas.microsoft.com/office/drawing/2014/main" id="{3CB233F5-0EB1-4E72-A47A-DB9F307DD356}"/>
+                <a16:creationId xmlns:a16="http://schemas.microsoft.com/office/drawing/2014/main" xmlns="" id="{3CB233F5-0EB1-4E72-A47A-DB9F307DD356}"/>
               </a:ext>
             </a:extLst>
           </p:cNvPr>
@@ -793,7 +793,7 @@
           <p:cNvPr id="3" name="內容版面配置區 2">
             <a:extLst>
               <a:ext uri="{FF2B5EF4-FFF2-40B4-BE49-F238E27FC236}">
-                <a16:creationId xmlns:a16="http://schemas.microsoft.com/office/drawing/2014/main" id="{4B106B27-8EE8-4967-8377-603006B9F809}"/>
+                <a16:creationId xmlns:a16="http://schemas.microsoft.com/office/drawing/2014/main" xmlns="" id="{4B106B27-8EE8-4967-8377-603006B9F809}"/>
               </a:ext>
             </a:extLst>
           </p:cNvPr>
@@ -850,7 +850,7 @@
           <p:cNvPr id="4" name="日期版面配置區 3">
             <a:extLst>
               <a:ext uri="{FF2B5EF4-FFF2-40B4-BE49-F238E27FC236}">
-                <a16:creationId xmlns:a16="http://schemas.microsoft.com/office/drawing/2014/main" id="{CFE1A715-C7BE-423C-A3B5-AA4D02F1BD1D}"/>
+                <a16:creationId xmlns:a16="http://schemas.microsoft.com/office/drawing/2014/main" xmlns="" id="{CFE1A715-C7BE-423C-A3B5-AA4D02F1BD1D}"/>
               </a:ext>
             </a:extLst>
           </p:cNvPr>
@@ -868,7 +868,7 @@
           <a:p>
             <a:fld id="{55395BF8-FBF7-4AEE-A997-CC7D27C40B92}" type="datetimeFigureOut">
               <a:rPr lang="zh-TW" altLang="en-US" smtClean="0"/>
-              <a:t>2019/12/22</a:t>
+              <a:t>2019/12/23</a:t>
             </a:fld>
             <a:endParaRPr lang="zh-TW" altLang="en-US"/>
           </a:p>
@@ -879,7 +879,7 @@
           <p:cNvPr id="5" name="頁尾版面配置區 4">
             <a:extLst>
               <a:ext uri="{FF2B5EF4-FFF2-40B4-BE49-F238E27FC236}">
-                <a16:creationId xmlns:a16="http://schemas.microsoft.com/office/drawing/2014/main" id="{99E2D260-767E-4ACA-92CB-5B1CE970ED89}"/>
+                <a16:creationId xmlns:a16="http://schemas.microsoft.com/office/drawing/2014/main" xmlns="" id="{99E2D260-767E-4ACA-92CB-5B1CE970ED89}"/>
               </a:ext>
             </a:extLst>
           </p:cNvPr>
@@ -904,7 +904,7 @@
           <p:cNvPr id="6" name="投影片編號版面配置區 5">
             <a:extLst>
               <a:ext uri="{FF2B5EF4-FFF2-40B4-BE49-F238E27FC236}">
-                <a16:creationId xmlns:a16="http://schemas.microsoft.com/office/drawing/2014/main" id="{F72DDED8-790E-42D0-9BFE-A5616F03F828}"/>
+                <a16:creationId xmlns:a16="http://schemas.microsoft.com/office/drawing/2014/main" xmlns="" id="{F72DDED8-790E-42D0-9BFE-A5616F03F828}"/>
               </a:ext>
             </a:extLst>
           </p:cNvPr>
@@ -963,7 +963,7 @@
           <p:cNvPr id="2" name="標題 1">
             <a:extLst>
               <a:ext uri="{FF2B5EF4-FFF2-40B4-BE49-F238E27FC236}">
-                <a16:creationId xmlns:a16="http://schemas.microsoft.com/office/drawing/2014/main" id="{E1F78E3B-DA48-42A8-803A-167CFB67DF3E}"/>
+                <a16:creationId xmlns:a16="http://schemas.microsoft.com/office/drawing/2014/main" xmlns="" id="{E1F78E3B-DA48-42A8-803A-167CFB67DF3E}"/>
               </a:ext>
             </a:extLst>
           </p:cNvPr>
@@ -1000,7 +1000,7 @@
           <p:cNvPr id="3" name="文字版面配置區 2">
             <a:extLst>
               <a:ext uri="{FF2B5EF4-FFF2-40B4-BE49-F238E27FC236}">
-                <a16:creationId xmlns:a16="http://schemas.microsoft.com/office/drawing/2014/main" id="{9374EA66-028B-4441-8B98-13D9DE9648DC}"/>
+                <a16:creationId xmlns:a16="http://schemas.microsoft.com/office/drawing/2014/main" xmlns="" id="{9374EA66-028B-4441-8B98-13D9DE9648DC}"/>
               </a:ext>
             </a:extLst>
           </p:cNvPr>
@@ -1125,7 +1125,7 @@
           <p:cNvPr id="4" name="日期版面配置區 3">
             <a:extLst>
               <a:ext uri="{FF2B5EF4-FFF2-40B4-BE49-F238E27FC236}">
-                <a16:creationId xmlns:a16="http://schemas.microsoft.com/office/drawing/2014/main" id="{2C001A1B-C19E-4DCC-AD0F-0CDF06B628CB}"/>
+                <a16:creationId xmlns:a16="http://schemas.microsoft.com/office/drawing/2014/main" xmlns="" id="{2C001A1B-C19E-4DCC-AD0F-0CDF06B628CB}"/>
               </a:ext>
             </a:extLst>
           </p:cNvPr>
@@ -1143,7 +1143,7 @@
           <a:p>
             <a:fld id="{55395BF8-FBF7-4AEE-A997-CC7D27C40B92}" type="datetimeFigureOut">
               <a:rPr lang="zh-TW" altLang="en-US" smtClean="0"/>
-              <a:t>2019/12/22</a:t>
+              <a:t>2019/12/23</a:t>
             </a:fld>
             <a:endParaRPr lang="zh-TW" altLang="en-US"/>
           </a:p>
@@ -1154,7 +1154,7 @@
           <p:cNvPr id="5" name="頁尾版面配置區 4">
             <a:extLst>
               <a:ext uri="{FF2B5EF4-FFF2-40B4-BE49-F238E27FC236}">
-                <a16:creationId xmlns:a16="http://schemas.microsoft.com/office/drawing/2014/main" id="{0BA2A909-511F-40E6-BFBA-886DEB291235}"/>
+                <a16:creationId xmlns:a16="http://schemas.microsoft.com/office/drawing/2014/main" xmlns="" id="{0BA2A909-511F-40E6-BFBA-886DEB291235}"/>
               </a:ext>
             </a:extLst>
           </p:cNvPr>
@@ -1179,7 +1179,7 @@
           <p:cNvPr id="6" name="投影片編號版面配置區 5">
             <a:extLst>
               <a:ext uri="{FF2B5EF4-FFF2-40B4-BE49-F238E27FC236}">
-                <a16:creationId xmlns:a16="http://schemas.microsoft.com/office/drawing/2014/main" id="{9DF91A84-9574-4452-8A6A-8F322BFAB335}"/>
+                <a16:creationId xmlns:a16="http://schemas.microsoft.com/office/drawing/2014/main" xmlns="" id="{9DF91A84-9574-4452-8A6A-8F322BFAB335}"/>
               </a:ext>
             </a:extLst>
           </p:cNvPr>
@@ -1238,7 +1238,7 @@
           <p:cNvPr id="2" name="標題 1">
             <a:extLst>
               <a:ext uri="{FF2B5EF4-FFF2-40B4-BE49-F238E27FC236}">
-                <a16:creationId xmlns:a16="http://schemas.microsoft.com/office/drawing/2014/main" id="{66088BCE-2009-4ED5-AC37-908784E6CA6F}"/>
+                <a16:creationId xmlns:a16="http://schemas.microsoft.com/office/drawing/2014/main" xmlns="" id="{66088BCE-2009-4ED5-AC37-908784E6CA6F}"/>
               </a:ext>
             </a:extLst>
           </p:cNvPr>
@@ -1266,7 +1266,7 @@
           <p:cNvPr id="3" name="內容版面配置區 2">
             <a:extLst>
               <a:ext uri="{FF2B5EF4-FFF2-40B4-BE49-F238E27FC236}">
-                <a16:creationId xmlns:a16="http://schemas.microsoft.com/office/drawing/2014/main" id="{7B995653-3F67-4CED-A957-04A5247A8862}"/>
+                <a16:creationId xmlns:a16="http://schemas.microsoft.com/office/drawing/2014/main" xmlns="" id="{7B995653-3F67-4CED-A957-04A5247A8862}"/>
               </a:ext>
             </a:extLst>
           </p:cNvPr>
@@ -1328,7 +1328,7 @@
           <p:cNvPr id="4" name="內容版面配置區 3">
             <a:extLst>
               <a:ext uri="{FF2B5EF4-FFF2-40B4-BE49-F238E27FC236}">
-                <a16:creationId xmlns:a16="http://schemas.microsoft.com/office/drawing/2014/main" id="{3F3FD9B0-2DE4-490E-B604-C0038EECC774}"/>
+                <a16:creationId xmlns:a16="http://schemas.microsoft.com/office/drawing/2014/main" xmlns="" id="{3F3FD9B0-2DE4-490E-B604-C0038EECC774}"/>
               </a:ext>
             </a:extLst>
           </p:cNvPr>
@@ -1390,7 +1390,7 @@
           <p:cNvPr id="5" name="日期版面配置區 4">
             <a:extLst>
               <a:ext uri="{FF2B5EF4-FFF2-40B4-BE49-F238E27FC236}">
-                <a16:creationId xmlns:a16="http://schemas.microsoft.com/office/drawing/2014/main" id="{B747533F-853C-44EF-89EC-7C5A4F97FE1E}"/>
+                <a16:creationId xmlns:a16="http://schemas.microsoft.com/office/drawing/2014/main" xmlns="" id="{B747533F-853C-44EF-89EC-7C5A4F97FE1E}"/>
               </a:ext>
             </a:extLst>
           </p:cNvPr>
@@ -1408,7 +1408,7 @@
           <a:p>
             <a:fld id="{55395BF8-FBF7-4AEE-A997-CC7D27C40B92}" type="datetimeFigureOut">
               <a:rPr lang="zh-TW" altLang="en-US" smtClean="0"/>
-              <a:t>2019/12/22</a:t>
+              <a:t>2019/12/23</a:t>
             </a:fld>
             <a:endParaRPr lang="zh-TW" altLang="en-US"/>
           </a:p>
@@ -1419,7 +1419,7 @@
           <p:cNvPr id="6" name="頁尾版面配置區 5">
             <a:extLst>
               <a:ext uri="{FF2B5EF4-FFF2-40B4-BE49-F238E27FC236}">
-                <a16:creationId xmlns:a16="http://schemas.microsoft.com/office/drawing/2014/main" id="{5A4338FD-99CF-4D6F-A334-8473AC1C8E44}"/>
+                <a16:creationId xmlns:a16="http://schemas.microsoft.com/office/drawing/2014/main" xmlns="" id="{5A4338FD-99CF-4D6F-A334-8473AC1C8E44}"/>
               </a:ext>
             </a:extLst>
           </p:cNvPr>
@@ -1444,7 +1444,7 @@
           <p:cNvPr id="7" name="投影片編號版面配置區 6">
             <a:extLst>
               <a:ext uri="{FF2B5EF4-FFF2-40B4-BE49-F238E27FC236}">
-                <a16:creationId xmlns:a16="http://schemas.microsoft.com/office/drawing/2014/main" id="{5E4E5406-59AD-4B79-91B6-F08909CE8D2D}"/>
+                <a16:creationId xmlns:a16="http://schemas.microsoft.com/office/drawing/2014/main" xmlns="" id="{5E4E5406-59AD-4B79-91B6-F08909CE8D2D}"/>
               </a:ext>
             </a:extLst>
           </p:cNvPr>
@@ -1503,7 +1503,7 @@
           <p:cNvPr id="2" name="標題 1">
             <a:extLst>
               <a:ext uri="{FF2B5EF4-FFF2-40B4-BE49-F238E27FC236}">
-                <a16:creationId xmlns:a16="http://schemas.microsoft.com/office/drawing/2014/main" id="{D35F1666-2D28-475E-983F-A6D9F03A9734}"/>
+                <a16:creationId xmlns:a16="http://schemas.microsoft.com/office/drawing/2014/main" xmlns="" id="{D35F1666-2D28-475E-983F-A6D9F03A9734}"/>
               </a:ext>
             </a:extLst>
           </p:cNvPr>
@@ -1536,7 +1536,7 @@
           <p:cNvPr id="3" name="文字版面配置區 2">
             <a:extLst>
               <a:ext uri="{FF2B5EF4-FFF2-40B4-BE49-F238E27FC236}">
-                <a16:creationId xmlns:a16="http://schemas.microsoft.com/office/drawing/2014/main" id="{26F6D164-2753-4D58-AC5F-A9D95EF58AA1}"/>
+                <a16:creationId xmlns:a16="http://schemas.microsoft.com/office/drawing/2014/main" xmlns="" id="{26F6D164-2753-4D58-AC5F-A9D95EF58AA1}"/>
               </a:ext>
             </a:extLst>
           </p:cNvPr>
@@ -1607,7 +1607,7 @@
           <p:cNvPr id="4" name="內容版面配置區 3">
             <a:extLst>
               <a:ext uri="{FF2B5EF4-FFF2-40B4-BE49-F238E27FC236}">
-                <a16:creationId xmlns:a16="http://schemas.microsoft.com/office/drawing/2014/main" id="{A29C9D1A-A7FE-43D5-AFE9-548A57B79DFE}"/>
+                <a16:creationId xmlns:a16="http://schemas.microsoft.com/office/drawing/2014/main" xmlns="" id="{A29C9D1A-A7FE-43D5-AFE9-548A57B79DFE}"/>
               </a:ext>
             </a:extLst>
           </p:cNvPr>
@@ -1669,7 +1669,7 @@
           <p:cNvPr id="5" name="文字版面配置區 4">
             <a:extLst>
               <a:ext uri="{FF2B5EF4-FFF2-40B4-BE49-F238E27FC236}">
-                <a16:creationId xmlns:a16="http://schemas.microsoft.com/office/drawing/2014/main" id="{184B2FF3-8E55-4E87-A120-858C458D72FA}"/>
+                <a16:creationId xmlns:a16="http://schemas.microsoft.com/office/drawing/2014/main" xmlns="" id="{184B2FF3-8E55-4E87-A120-858C458D72FA}"/>
               </a:ext>
             </a:extLst>
           </p:cNvPr>
@@ -1740,7 +1740,7 @@
           <p:cNvPr id="6" name="內容版面配置區 5">
             <a:extLst>
               <a:ext uri="{FF2B5EF4-FFF2-40B4-BE49-F238E27FC236}">
-                <a16:creationId xmlns:a16="http://schemas.microsoft.com/office/drawing/2014/main" id="{2EAD5AE0-47D4-431E-9481-6F92FE64C251}"/>
+                <a16:creationId xmlns:a16="http://schemas.microsoft.com/office/drawing/2014/main" xmlns="" id="{2EAD5AE0-47D4-431E-9481-6F92FE64C251}"/>
               </a:ext>
             </a:extLst>
           </p:cNvPr>
@@ -1802,7 +1802,7 @@
           <p:cNvPr id="7" name="日期版面配置區 6">
             <a:extLst>
               <a:ext uri="{FF2B5EF4-FFF2-40B4-BE49-F238E27FC236}">
-                <a16:creationId xmlns:a16="http://schemas.microsoft.com/office/drawing/2014/main" id="{AA2115D5-7D94-49EF-B7D9-5F81EB28BFB4}"/>
+                <a16:creationId xmlns:a16="http://schemas.microsoft.com/office/drawing/2014/main" xmlns="" id="{AA2115D5-7D94-49EF-B7D9-5F81EB28BFB4}"/>
               </a:ext>
             </a:extLst>
           </p:cNvPr>
@@ -1820,7 +1820,7 @@
           <a:p>
             <a:fld id="{55395BF8-FBF7-4AEE-A997-CC7D27C40B92}" type="datetimeFigureOut">
               <a:rPr lang="zh-TW" altLang="en-US" smtClean="0"/>
-              <a:t>2019/12/22</a:t>
+              <a:t>2019/12/23</a:t>
             </a:fld>
             <a:endParaRPr lang="zh-TW" altLang="en-US"/>
           </a:p>
@@ -1831,7 +1831,7 @@
           <p:cNvPr id="8" name="頁尾版面配置區 7">
             <a:extLst>
               <a:ext uri="{FF2B5EF4-FFF2-40B4-BE49-F238E27FC236}">
-                <a16:creationId xmlns:a16="http://schemas.microsoft.com/office/drawing/2014/main" id="{09CA1EBD-269F-45A4-8AAC-6DC5E4F28809}"/>
+                <a16:creationId xmlns:a16="http://schemas.microsoft.com/office/drawing/2014/main" xmlns="" id="{09CA1EBD-269F-45A4-8AAC-6DC5E4F28809}"/>
               </a:ext>
             </a:extLst>
           </p:cNvPr>
@@ -1856,7 +1856,7 @@
           <p:cNvPr id="9" name="投影片編號版面配置區 8">
             <a:extLst>
               <a:ext uri="{FF2B5EF4-FFF2-40B4-BE49-F238E27FC236}">
-                <a16:creationId xmlns:a16="http://schemas.microsoft.com/office/drawing/2014/main" id="{F8A9A8CC-45BF-4F1B-84CA-E97AB583582F}"/>
+                <a16:creationId xmlns:a16="http://schemas.microsoft.com/office/drawing/2014/main" xmlns="" id="{F8A9A8CC-45BF-4F1B-84CA-E97AB583582F}"/>
               </a:ext>
             </a:extLst>
           </p:cNvPr>
@@ -1915,7 +1915,7 @@
           <p:cNvPr id="2" name="標題 1">
             <a:extLst>
               <a:ext uri="{FF2B5EF4-FFF2-40B4-BE49-F238E27FC236}">
-                <a16:creationId xmlns:a16="http://schemas.microsoft.com/office/drawing/2014/main" id="{D29C2CBF-43C8-4336-8E8E-7B757887D523}"/>
+                <a16:creationId xmlns:a16="http://schemas.microsoft.com/office/drawing/2014/main" xmlns="" id="{D29C2CBF-43C8-4336-8E8E-7B757887D523}"/>
               </a:ext>
             </a:extLst>
           </p:cNvPr>
@@ -1943,7 +1943,7 @@
           <p:cNvPr id="3" name="日期版面配置區 2">
             <a:extLst>
               <a:ext uri="{FF2B5EF4-FFF2-40B4-BE49-F238E27FC236}">
-                <a16:creationId xmlns:a16="http://schemas.microsoft.com/office/drawing/2014/main" id="{E7E4FF7A-F636-41FD-B580-8DB81E5CE852}"/>
+                <a16:creationId xmlns:a16="http://schemas.microsoft.com/office/drawing/2014/main" xmlns="" id="{E7E4FF7A-F636-41FD-B580-8DB81E5CE852}"/>
               </a:ext>
             </a:extLst>
           </p:cNvPr>
@@ -1961,7 +1961,7 @@
           <a:p>
             <a:fld id="{55395BF8-FBF7-4AEE-A997-CC7D27C40B92}" type="datetimeFigureOut">
               <a:rPr lang="zh-TW" altLang="en-US" smtClean="0"/>
-              <a:t>2019/12/22</a:t>
+              <a:t>2019/12/23</a:t>
             </a:fld>
             <a:endParaRPr lang="zh-TW" altLang="en-US"/>
           </a:p>
@@ -1972,7 +1972,7 @@
           <p:cNvPr id="4" name="頁尾版面配置區 3">
             <a:extLst>
               <a:ext uri="{FF2B5EF4-FFF2-40B4-BE49-F238E27FC236}">
-                <a16:creationId xmlns:a16="http://schemas.microsoft.com/office/drawing/2014/main" id="{F1E31A87-05F2-409E-BEED-62145785CFBA}"/>
+                <a16:creationId xmlns:a16="http://schemas.microsoft.com/office/drawing/2014/main" xmlns="" id="{F1E31A87-05F2-409E-BEED-62145785CFBA}"/>
               </a:ext>
             </a:extLst>
           </p:cNvPr>
@@ -1997,7 +1997,7 @@
           <p:cNvPr id="5" name="投影片編號版面配置區 4">
             <a:extLst>
               <a:ext uri="{FF2B5EF4-FFF2-40B4-BE49-F238E27FC236}">
-                <a16:creationId xmlns:a16="http://schemas.microsoft.com/office/drawing/2014/main" id="{634ABD8C-17BF-49BC-933D-82EF8E6D5F33}"/>
+                <a16:creationId xmlns:a16="http://schemas.microsoft.com/office/drawing/2014/main" xmlns="" id="{634ABD8C-17BF-49BC-933D-82EF8E6D5F33}"/>
               </a:ext>
             </a:extLst>
           </p:cNvPr>
@@ -2056,7 +2056,7 @@
           <p:cNvPr id="2" name="日期版面配置區 1">
             <a:extLst>
               <a:ext uri="{FF2B5EF4-FFF2-40B4-BE49-F238E27FC236}">
-                <a16:creationId xmlns:a16="http://schemas.microsoft.com/office/drawing/2014/main" id="{C00D6B6C-D0EE-4D8E-9E5D-E36430801098}"/>
+                <a16:creationId xmlns:a16="http://schemas.microsoft.com/office/drawing/2014/main" xmlns="" id="{C00D6B6C-D0EE-4D8E-9E5D-E36430801098}"/>
               </a:ext>
             </a:extLst>
           </p:cNvPr>
@@ -2074,7 +2074,7 @@
           <a:p>
             <a:fld id="{55395BF8-FBF7-4AEE-A997-CC7D27C40B92}" type="datetimeFigureOut">
               <a:rPr lang="zh-TW" altLang="en-US" smtClean="0"/>
-              <a:t>2019/12/22</a:t>
+              <a:t>2019/12/23</a:t>
             </a:fld>
             <a:endParaRPr lang="zh-TW" altLang="en-US"/>
           </a:p>
@@ -2085,7 +2085,7 @@
           <p:cNvPr id="3" name="頁尾版面配置區 2">
             <a:extLst>
               <a:ext uri="{FF2B5EF4-FFF2-40B4-BE49-F238E27FC236}">
-                <a16:creationId xmlns:a16="http://schemas.microsoft.com/office/drawing/2014/main" id="{5720BAA1-D10A-47EC-A0FF-6D04DF6975A7}"/>
+                <a16:creationId xmlns:a16="http://schemas.microsoft.com/office/drawing/2014/main" xmlns="" id="{5720BAA1-D10A-47EC-A0FF-6D04DF6975A7}"/>
               </a:ext>
             </a:extLst>
           </p:cNvPr>
@@ -2110,7 +2110,7 @@
           <p:cNvPr id="4" name="投影片編號版面配置區 3">
             <a:extLst>
               <a:ext uri="{FF2B5EF4-FFF2-40B4-BE49-F238E27FC236}">
-                <a16:creationId xmlns:a16="http://schemas.microsoft.com/office/drawing/2014/main" id="{3EFEBDBF-386E-43AE-A403-84488B76B459}"/>
+                <a16:creationId xmlns:a16="http://schemas.microsoft.com/office/drawing/2014/main" xmlns="" id="{3EFEBDBF-386E-43AE-A403-84488B76B459}"/>
               </a:ext>
             </a:extLst>
           </p:cNvPr>
@@ -2169,7 +2169,7 @@
           <p:cNvPr id="2" name="標題 1">
             <a:extLst>
               <a:ext uri="{FF2B5EF4-FFF2-40B4-BE49-F238E27FC236}">
-                <a16:creationId xmlns:a16="http://schemas.microsoft.com/office/drawing/2014/main" id="{1065B3DB-3393-40DE-B3B2-16E09B19393B}"/>
+                <a16:creationId xmlns:a16="http://schemas.microsoft.com/office/drawing/2014/main" xmlns="" id="{1065B3DB-3393-40DE-B3B2-16E09B19393B}"/>
               </a:ext>
             </a:extLst>
           </p:cNvPr>
@@ -2206,7 +2206,7 @@
           <p:cNvPr id="3" name="內容版面配置區 2">
             <a:extLst>
               <a:ext uri="{FF2B5EF4-FFF2-40B4-BE49-F238E27FC236}">
-                <a16:creationId xmlns:a16="http://schemas.microsoft.com/office/drawing/2014/main" id="{E39F9A8B-8D19-46D4-B0B7-0B1A843767FC}"/>
+                <a16:creationId xmlns:a16="http://schemas.microsoft.com/office/drawing/2014/main" xmlns="" id="{E39F9A8B-8D19-46D4-B0B7-0B1A843767FC}"/>
               </a:ext>
             </a:extLst>
           </p:cNvPr>
@@ -2296,7 +2296,7 @@
           <p:cNvPr id="4" name="文字版面配置區 3">
             <a:extLst>
               <a:ext uri="{FF2B5EF4-FFF2-40B4-BE49-F238E27FC236}">
-                <a16:creationId xmlns:a16="http://schemas.microsoft.com/office/drawing/2014/main" id="{E822B65A-22DE-494B-97F4-E39A8EFCBC33}"/>
+                <a16:creationId xmlns:a16="http://schemas.microsoft.com/office/drawing/2014/main" xmlns="" id="{E822B65A-22DE-494B-97F4-E39A8EFCBC33}"/>
               </a:ext>
             </a:extLst>
           </p:cNvPr>
@@ -2367,7 +2367,7 @@
           <p:cNvPr id="5" name="日期版面配置區 4">
             <a:extLst>
               <a:ext uri="{FF2B5EF4-FFF2-40B4-BE49-F238E27FC236}">
-                <a16:creationId xmlns:a16="http://schemas.microsoft.com/office/drawing/2014/main" id="{06A7640A-2735-4613-B157-11C881363062}"/>
+                <a16:creationId xmlns:a16="http://schemas.microsoft.com/office/drawing/2014/main" xmlns="" id="{06A7640A-2735-4613-B157-11C881363062}"/>
               </a:ext>
             </a:extLst>
           </p:cNvPr>
@@ -2385,7 +2385,7 @@
           <a:p>
             <a:fld id="{55395BF8-FBF7-4AEE-A997-CC7D27C40B92}" type="datetimeFigureOut">
               <a:rPr lang="zh-TW" altLang="en-US" smtClean="0"/>
-              <a:t>2019/12/22</a:t>
+              <a:t>2019/12/23</a:t>
             </a:fld>
             <a:endParaRPr lang="zh-TW" altLang="en-US"/>
           </a:p>
@@ -2396,7 +2396,7 @@
           <p:cNvPr id="6" name="頁尾版面配置區 5">
             <a:extLst>
               <a:ext uri="{FF2B5EF4-FFF2-40B4-BE49-F238E27FC236}">
-                <a16:creationId xmlns:a16="http://schemas.microsoft.com/office/drawing/2014/main" id="{F685B52C-ADC5-4D4C-9F3D-BB7973D61744}"/>
+                <a16:creationId xmlns:a16="http://schemas.microsoft.com/office/drawing/2014/main" xmlns="" id="{F685B52C-ADC5-4D4C-9F3D-BB7973D61744}"/>
               </a:ext>
             </a:extLst>
           </p:cNvPr>
@@ -2421,7 +2421,7 @@
           <p:cNvPr id="7" name="投影片編號版面配置區 6">
             <a:extLst>
               <a:ext uri="{FF2B5EF4-FFF2-40B4-BE49-F238E27FC236}">
-                <a16:creationId xmlns:a16="http://schemas.microsoft.com/office/drawing/2014/main" id="{16B204AA-61CD-4310-BE57-07BFB03037F6}"/>
+                <a16:creationId xmlns:a16="http://schemas.microsoft.com/office/drawing/2014/main" xmlns="" id="{16B204AA-61CD-4310-BE57-07BFB03037F6}"/>
               </a:ext>
             </a:extLst>
           </p:cNvPr>
@@ -2480,7 +2480,7 @@
           <p:cNvPr id="2" name="標題 1">
             <a:extLst>
               <a:ext uri="{FF2B5EF4-FFF2-40B4-BE49-F238E27FC236}">
-                <a16:creationId xmlns:a16="http://schemas.microsoft.com/office/drawing/2014/main" id="{A9664DED-4119-4544-83BE-411E4FEDC739}"/>
+                <a16:creationId xmlns:a16="http://schemas.microsoft.com/office/drawing/2014/main" xmlns="" id="{A9664DED-4119-4544-83BE-411E4FEDC739}"/>
               </a:ext>
             </a:extLst>
           </p:cNvPr>
@@ -2517,7 +2517,7 @@
           <p:cNvPr id="3" name="圖片版面配置區 2">
             <a:extLst>
               <a:ext uri="{FF2B5EF4-FFF2-40B4-BE49-F238E27FC236}">
-                <a16:creationId xmlns:a16="http://schemas.microsoft.com/office/drawing/2014/main" id="{95440590-F9E9-4D24-9CA6-D9863D2CDE9D}"/>
+                <a16:creationId xmlns:a16="http://schemas.microsoft.com/office/drawing/2014/main" xmlns="" id="{95440590-F9E9-4D24-9CA6-D9863D2CDE9D}"/>
               </a:ext>
             </a:extLst>
           </p:cNvPr>
@@ -2584,7 +2584,7 @@
           <p:cNvPr id="4" name="文字版面配置區 3">
             <a:extLst>
               <a:ext uri="{FF2B5EF4-FFF2-40B4-BE49-F238E27FC236}">
-                <a16:creationId xmlns:a16="http://schemas.microsoft.com/office/drawing/2014/main" id="{87F9747D-4D13-4C43-8A98-11D16DC2431B}"/>
+                <a16:creationId xmlns:a16="http://schemas.microsoft.com/office/drawing/2014/main" xmlns="" id="{87F9747D-4D13-4C43-8A98-11D16DC2431B}"/>
               </a:ext>
             </a:extLst>
           </p:cNvPr>
@@ -2655,7 +2655,7 @@
           <p:cNvPr id="5" name="日期版面配置區 4">
             <a:extLst>
               <a:ext uri="{FF2B5EF4-FFF2-40B4-BE49-F238E27FC236}">
-                <a16:creationId xmlns:a16="http://schemas.microsoft.com/office/drawing/2014/main" id="{36C7EE27-5FCC-4505-8165-07EE501AE459}"/>
+                <a16:creationId xmlns:a16="http://schemas.microsoft.com/office/drawing/2014/main" xmlns="" id="{36C7EE27-5FCC-4505-8165-07EE501AE459}"/>
               </a:ext>
             </a:extLst>
           </p:cNvPr>
@@ -2673,7 +2673,7 @@
           <a:p>
             <a:fld id="{55395BF8-FBF7-4AEE-A997-CC7D27C40B92}" type="datetimeFigureOut">
               <a:rPr lang="zh-TW" altLang="en-US" smtClean="0"/>
-              <a:t>2019/12/22</a:t>
+              <a:t>2019/12/23</a:t>
             </a:fld>
             <a:endParaRPr lang="zh-TW" altLang="en-US"/>
           </a:p>
@@ -2684,7 +2684,7 @@
           <p:cNvPr id="6" name="頁尾版面配置區 5">
             <a:extLst>
               <a:ext uri="{FF2B5EF4-FFF2-40B4-BE49-F238E27FC236}">
-                <a16:creationId xmlns:a16="http://schemas.microsoft.com/office/drawing/2014/main" id="{D32E9E05-1379-4489-B564-FAECB64D664C}"/>
+                <a16:creationId xmlns:a16="http://schemas.microsoft.com/office/drawing/2014/main" xmlns="" id="{D32E9E05-1379-4489-B564-FAECB64D664C}"/>
               </a:ext>
             </a:extLst>
           </p:cNvPr>
@@ -2709,7 +2709,7 @@
           <p:cNvPr id="7" name="投影片編號版面配置區 6">
             <a:extLst>
               <a:ext uri="{FF2B5EF4-FFF2-40B4-BE49-F238E27FC236}">
-                <a16:creationId xmlns:a16="http://schemas.microsoft.com/office/drawing/2014/main" id="{665BFBEA-FEF9-4F90-8680-458A50F645F9}"/>
+                <a16:creationId xmlns:a16="http://schemas.microsoft.com/office/drawing/2014/main" xmlns="" id="{665BFBEA-FEF9-4F90-8680-458A50F645F9}"/>
               </a:ext>
             </a:extLst>
           </p:cNvPr>
@@ -2773,7 +2773,7 @@
           <p:cNvPr id="2" name="標題版面配置區 1">
             <a:extLst>
               <a:ext uri="{FF2B5EF4-FFF2-40B4-BE49-F238E27FC236}">
-                <a16:creationId xmlns:a16="http://schemas.microsoft.com/office/drawing/2014/main" id="{28961AD3-2123-4C9D-AE6D-EEFBAD8E3BCC}"/>
+                <a16:creationId xmlns:a16="http://schemas.microsoft.com/office/drawing/2014/main" xmlns="" id="{28961AD3-2123-4C9D-AE6D-EEFBAD8E3BCC}"/>
               </a:ext>
             </a:extLst>
           </p:cNvPr>
@@ -2811,7 +2811,7 @@
           <p:cNvPr id="3" name="文字版面配置區 2">
             <a:extLst>
               <a:ext uri="{FF2B5EF4-FFF2-40B4-BE49-F238E27FC236}">
-                <a16:creationId xmlns:a16="http://schemas.microsoft.com/office/drawing/2014/main" id="{588878B9-D85E-4CCB-877D-2D9B4C4B9A3F}"/>
+                <a16:creationId xmlns:a16="http://schemas.microsoft.com/office/drawing/2014/main" xmlns="" id="{588878B9-D85E-4CCB-877D-2D9B4C4B9A3F}"/>
               </a:ext>
             </a:extLst>
           </p:cNvPr>
@@ -2878,7 +2878,7 @@
           <p:cNvPr id="4" name="日期版面配置區 3">
             <a:extLst>
               <a:ext uri="{FF2B5EF4-FFF2-40B4-BE49-F238E27FC236}">
-                <a16:creationId xmlns:a16="http://schemas.microsoft.com/office/drawing/2014/main" id="{FB030586-4FE2-4BCE-9FA7-459A0AE9E891}"/>
+                <a16:creationId xmlns:a16="http://schemas.microsoft.com/office/drawing/2014/main" xmlns="" id="{FB030586-4FE2-4BCE-9FA7-459A0AE9E891}"/>
               </a:ext>
             </a:extLst>
           </p:cNvPr>
@@ -2914,7 +2914,7 @@
           <a:p>
             <a:fld id="{55395BF8-FBF7-4AEE-A997-CC7D27C40B92}" type="datetimeFigureOut">
               <a:rPr lang="zh-TW" altLang="en-US" smtClean="0"/>
-              <a:t>2019/12/22</a:t>
+              <a:t>2019/12/23</a:t>
             </a:fld>
             <a:endParaRPr lang="zh-TW" altLang="en-US"/>
           </a:p>
@@ -2925,7 +2925,7 @@
           <p:cNvPr id="5" name="頁尾版面配置區 4">
             <a:extLst>
               <a:ext uri="{FF2B5EF4-FFF2-40B4-BE49-F238E27FC236}">
-                <a16:creationId xmlns:a16="http://schemas.microsoft.com/office/drawing/2014/main" id="{40FFE6FD-079B-4B6F-8002-5A7231E731E1}"/>
+                <a16:creationId xmlns:a16="http://schemas.microsoft.com/office/drawing/2014/main" xmlns="" id="{40FFE6FD-079B-4B6F-8002-5A7231E731E1}"/>
               </a:ext>
             </a:extLst>
           </p:cNvPr>
@@ -2968,7 +2968,7 @@
           <p:cNvPr id="6" name="投影片編號版面配置區 5">
             <a:extLst>
               <a:ext uri="{FF2B5EF4-FFF2-40B4-BE49-F238E27FC236}">
-                <a16:creationId xmlns:a16="http://schemas.microsoft.com/office/drawing/2014/main" id="{63413E27-1256-4615-A8FD-20F228A9F56D}"/>
+                <a16:creationId xmlns:a16="http://schemas.microsoft.com/office/drawing/2014/main" xmlns="" id="{63413E27-1256-4615-A8FD-20F228A9F56D}"/>
               </a:ext>
             </a:extLst>
           </p:cNvPr>
@@ -3336,7 +3336,7 @@
           <p:cNvPr id="2" name="標題 1">
             <a:extLst>
               <a:ext uri="{FF2B5EF4-FFF2-40B4-BE49-F238E27FC236}">
-                <a16:creationId xmlns:a16="http://schemas.microsoft.com/office/drawing/2014/main" id="{E9A458CE-DF92-492D-8FA2-2BAC9651579B}"/>
+                <a16:creationId xmlns:a16="http://schemas.microsoft.com/office/drawing/2014/main" xmlns="" id="{E9A458CE-DF92-492D-8FA2-2BAC9651579B}"/>
               </a:ext>
             </a:extLst>
           </p:cNvPr>
@@ -3373,7 +3373,7 @@
           <p:cNvPr id="4" name="表格 4">
             <a:extLst>
               <a:ext uri="{FF2B5EF4-FFF2-40B4-BE49-F238E27FC236}">
-                <a16:creationId xmlns:a16="http://schemas.microsoft.com/office/drawing/2014/main" id="{732A6477-D6F1-4F28-9963-C4B9906BADB7}"/>
+                <a16:creationId xmlns:a16="http://schemas.microsoft.com/office/drawing/2014/main" xmlns="" id="{732A6477-D6F1-4F28-9963-C4B9906BADB7}"/>
               </a:ext>
             </a:extLst>
           </p:cNvPr>
@@ -3402,14 +3402,14 @@
                 <a:gridCol w="4064000">
                   <a:extLst>
                     <a:ext uri="{9D8B030D-6E8A-4147-A177-3AD203B41FA5}">
-                      <a16:colId xmlns:a16="http://schemas.microsoft.com/office/drawing/2014/main" val="170729378"/>
+                      <a16:colId xmlns:a16="http://schemas.microsoft.com/office/drawing/2014/main" xmlns="" val="170729378"/>
                     </a:ext>
                   </a:extLst>
                 </a:gridCol>
                 <a:gridCol w="4064000">
                   <a:extLst>
                     <a:ext uri="{9D8B030D-6E8A-4147-A177-3AD203B41FA5}">
-                      <a16:colId xmlns:a16="http://schemas.microsoft.com/office/drawing/2014/main" val="4208239153"/>
+                      <a16:colId xmlns:a16="http://schemas.microsoft.com/office/drawing/2014/main" xmlns="" val="4208239153"/>
                     </a:ext>
                   </a:extLst>
                 </a:gridCol>
@@ -3456,7 +3456,7 @@
                 </a:tc>
                 <a:extLst>
                   <a:ext uri="{0D108BD9-81ED-4DB2-BD59-A6C34878D82A}">
-                    <a16:rowId xmlns:a16="http://schemas.microsoft.com/office/drawing/2014/main" val="3132170187"/>
+                    <a16:rowId xmlns:a16="http://schemas.microsoft.com/office/drawing/2014/main" xmlns="" val="3132170187"/>
                   </a:ext>
                 </a:extLst>
               </a:tr>
@@ -3494,7 +3494,7 @@
                 </a:tc>
                 <a:extLst>
                   <a:ext uri="{0D108BD9-81ED-4DB2-BD59-A6C34878D82A}">
-                    <a16:rowId xmlns:a16="http://schemas.microsoft.com/office/drawing/2014/main" val="2351855117"/>
+                    <a16:rowId xmlns:a16="http://schemas.microsoft.com/office/drawing/2014/main" xmlns="" val="2351855117"/>
                   </a:ext>
                 </a:extLst>
               </a:tr>
@@ -3529,7 +3529,7 @@
                 </a:tc>
                 <a:extLst>
                   <a:ext uri="{0D108BD9-81ED-4DB2-BD59-A6C34878D82A}">
-                    <a16:rowId xmlns:a16="http://schemas.microsoft.com/office/drawing/2014/main" val="2298017184"/>
+                    <a16:rowId xmlns:a16="http://schemas.microsoft.com/office/drawing/2014/main" xmlns="" val="2298017184"/>
                   </a:ext>
                 </a:extLst>
               </a:tr>
@@ -3564,7 +3564,7 @@
                 </a:tc>
                 <a:extLst>
                   <a:ext uri="{0D108BD9-81ED-4DB2-BD59-A6C34878D82A}">
-                    <a16:rowId xmlns:a16="http://schemas.microsoft.com/office/drawing/2014/main" val="3129867295"/>
+                    <a16:rowId xmlns:a16="http://schemas.microsoft.com/office/drawing/2014/main" xmlns="" val="3129867295"/>
                   </a:ext>
                 </a:extLst>
               </a:tr>
@@ -3607,7 +3607,7 @@
                 </a:tc>
                 <a:extLst>
                   <a:ext uri="{0D108BD9-81ED-4DB2-BD59-A6C34878D82A}">
-                    <a16:rowId xmlns:a16="http://schemas.microsoft.com/office/drawing/2014/main" val="4131376632"/>
+                    <a16:rowId xmlns:a16="http://schemas.microsoft.com/office/drawing/2014/main" xmlns="" val="4131376632"/>
                   </a:ext>
                 </a:extLst>
               </a:tr>
@@ -3660,7 +3660,7 @@
                 </a:tc>
                 <a:extLst>
                   <a:ext uri="{0D108BD9-81ED-4DB2-BD59-A6C34878D82A}">
-                    <a16:rowId xmlns:a16="http://schemas.microsoft.com/office/drawing/2014/main" val="2689002344"/>
+                    <a16:rowId xmlns:a16="http://schemas.microsoft.com/office/drawing/2014/main" xmlns="" val="2689002344"/>
                   </a:ext>
                 </a:extLst>
               </a:tr>
@@ -3673,7 +3673,7 @@
           <p:cNvPr id="9" name="文字方塊 8">
             <a:extLst>
               <a:ext uri="{FF2B5EF4-FFF2-40B4-BE49-F238E27FC236}">
-                <a16:creationId xmlns:a16="http://schemas.microsoft.com/office/drawing/2014/main" id="{BD12B590-4E54-4ADA-9D9E-2268FF2A0CB2}"/>
+                <a16:creationId xmlns:a16="http://schemas.microsoft.com/office/drawing/2014/main" xmlns="" id="{BD12B590-4E54-4ADA-9D9E-2268FF2A0CB2}"/>
               </a:ext>
             </a:extLst>
           </p:cNvPr>
@@ -3738,7 +3738,7 @@
           <p:cNvPr id="2" name="標題 1">
             <a:extLst>
               <a:ext uri="{FF2B5EF4-FFF2-40B4-BE49-F238E27FC236}">
-                <a16:creationId xmlns:a16="http://schemas.microsoft.com/office/drawing/2014/main" id="{BC065F59-9550-4F78-8D20-7B9C14D4DD3F}"/>
+                <a16:creationId xmlns:a16="http://schemas.microsoft.com/office/drawing/2014/main" xmlns="" id="{BC065F59-9550-4F78-8D20-7B9C14D4DD3F}"/>
               </a:ext>
             </a:extLst>
           </p:cNvPr>
@@ -3775,7 +3775,7 @@
           <p:cNvPr id="10" name="矩形 9">
             <a:extLst>
               <a:ext uri="{FF2B5EF4-FFF2-40B4-BE49-F238E27FC236}">
-                <a16:creationId xmlns:a16="http://schemas.microsoft.com/office/drawing/2014/main" id="{9A7E8945-E32B-4137-B1B2-783EFBB0B8AD}"/>
+                <a16:creationId xmlns:a16="http://schemas.microsoft.com/office/drawing/2014/main" xmlns="" id="{9A7E8945-E32B-4137-B1B2-783EFBB0B8AD}"/>
               </a:ext>
             </a:extLst>
           </p:cNvPr>
@@ -3861,7 +3861,7 @@
           <p:cNvPr id="11" name="文字方塊 10">
             <a:extLst>
               <a:ext uri="{FF2B5EF4-FFF2-40B4-BE49-F238E27FC236}">
-                <a16:creationId xmlns:a16="http://schemas.microsoft.com/office/drawing/2014/main" id="{D9C46000-B9E6-4A7C-A8D5-5A866E044E1A}"/>
+                <a16:creationId xmlns:a16="http://schemas.microsoft.com/office/drawing/2014/main" xmlns="" id="{D9C46000-B9E6-4A7C-A8D5-5A866E044E1A}"/>
               </a:ext>
             </a:extLst>
           </p:cNvPr>
@@ -3928,7 +3928,7 @@
           <p:cNvPr id="13" name="矩形 12">
             <a:extLst>
               <a:ext uri="{FF2B5EF4-FFF2-40B4-BE49-F238E27FC236}">
-                <a16:creationId xmlns:a16="http://schemas.microsoft.com/office/drawing/2014/main" id="{0F0AA766-583B-4EBC-9001-B9760C7BF0FC}"/>
+                <a16:creationId xmlns:a16="http://schemas.microsoft.com/office/drawing/2014/main" xmlns="" id="{0F0AA766-583B-4EBC-9001-B9760C7BF0FC}"/>
               </a:ext>
             </a:extLst>
           </p:cNvPr>
@@ -4116,7 +4116,7 @@
           <p:cNvPr id="14" name="矩形 13">
             <a:extLst>
               <a:ext uri="{FF2B5EF4-FFF2-40B4-BE49-F238E27FC236}">
-                <a16:creationId xmlns:a16="http://schemas.microsoft.com/office/drawing/2014/main" id="{EFC08E72-F443-4CF7-B983-A01AC71D62BC}"/>
+                <a16:creationId xmlns:a16="http://schemas.microsoft.com/office/drawing/2014/main" xmlns="" id="{EFC08E72-F443-4CF7-B983-A01AC71D62BC}"/>
               </a:ext>
             </a:extLst>
           </p:cNvPr>
@@ -4331,7 +4331,7 @@
           <p:cNvPr id="16" name="矩形 15">
             <a:extLst>
               <a:ext uri="{FF2B5EF4-FFF2-40B4-BE49-F238E27FC236}">
-                <a16:creationId xmlns:a16="http://schemas.microsoft.com/office/drawing/2014/main" id="{63F651B9-BCC9-405B-9493-64346D9FD022}"/>
+                <a16:creationId xmlns:a16="http://schemas.microsoft.com/office/drawing/2014/main" xmlns="" id="{63F651B9-BCC9-405B-9493-64346D9FD022}"/>
               </a:ext>
             </a:extLst>
           </p:cNvPr>
@@ -4445,7 +4445,7 @@
           <p:cNvPr id="17" name="文字方塊 16">
             <a:extLst>
               <a:ext uri="{FF2B5EF4-FFF2-40B4-BE49-F238E27FC236}">
-                <a16:creationId xmlns:a16="http://schemas.microsoft.com/office/drawing/2014/main" id="{6AA745A5-E227-4D89-95FF-05D43CB53766}"/>
+                <a16:creationId xmlns:a16="http://schemas.microsoft.com/office/drawing/2014/main" xmlns="" id="{6AA745A5-E227-4D89-95FF-05D43CB53766}"/>
               </a:ext>
             </a:extLst>
           </p:cNvPr>
@@ -4496,7 +4496,7 @@
           <p:cNvPr id="3" name="矩形 2">
             <a:extLst>
               <a:ext uri="{FF2B5EF4-FFF2-40B4-BE49-F238E27FC236}">
-                <a16:creationId xmlns:a16="http://schemas.microsoft.com/office/drawing/2014/main" id="{9D0C49DF-3A28-46C8-A049-2C27A2E5A299}"/>
+                <a16:creationId xmlns:a16="http://schemas.microsoft.com/office/drawing/2014/main" xmlns="" id="{9D0C49DF-3A28-46C8-A049-2C27A2E5A299}"/>
               </a:ext>
             </a:extLst>
           </p:cNvPr>
@@ -4558,7 +4558,7 @@
           <p:cNvPr id="12" name="矩形 11">
             <a:extLst>
               <a:ext uri="{FF2B5EF4-FFF2-40B4-BE49-F238E27FC236}">
-                <a16:creationId xmlns:a16="http://schemas.microsoft.com/office/drawing/2014/main" id="{962977E4-1EF5-4110-9A74-0F2A53880DBB}"/>
+                <a16:creationId xmlns:a16="http://schemas.microsoft.com/office/drawing/2014/main" xmlns="" id="{962977E4-1EF5-4110-9A74-0F2A53880DBB}"/>
               </a:ext>
             </a:extLst>
           </p:cNvPr>
@@ -4650,7 +4650,7 @@
           <p:cNvPr id="2" name="標題 1">
             <a:extLst>
               <a:ext uri="{FF2B5EF4-FFF2-40B4-BE49-F238E27FC236}">
-                <a16:creationId xmlns:a16="http://schemas.microsoft.com/office/drawing/2014/main" id="{BC065F59-9550-4F78-8D20-7B9C14D4DD3F}"/>
+                <a16:creationId xmlns:a16="http://schemas.microsoft.com/office/drawing/2014/main" xmlns="" id="{BC065F59-9550-4F78-8D20-7B9C14D4DD3F}"/>
               </a:ext>
             </a:extLst>
           </p:cNvPr>
@@ -4700,7 +4700,7 @@
           <p:cNvPr id="5" name="圖片 4">
             <a:extLst>
               <a:ext uri="{FF2B5EF4-FFF2-40B4-BE49-F238E27FC236}">
-                <a16:creationId xmlns:a16="http://schemas.microsoft.com/office/drawing/2014/main" id="{C1EB650D-D251-461F-93C2-57A047926A5C}"/>
+                <a16:creationId xmlns:a16="http://schemas.microsoft.com/office/drawing/2014/main" xmlns="" id="{C1EB650D-D251-461F-93C2-57A047926A5C}"/>
               </a:ext>
             </a:extLst>
           </p:cNvPr>
@@ -4736,7 +4736,7 @@
           <p:cNvPr id="6" name="文字方塊 5">
             <a:extLst>
               <a:ext uri="{FF2B5EF4-FFF2-40B4-BE49-F238E27FC236}">
-                <a16:creationId xmlns:a16="http://schemas.microsoft.com/office/drawing/2014/main" id="{EB6358BD-E64A-4EB3-BC0C-DC392DECBEC5}"/>
+                <a16:creationId xmlns:a16="http://schemas.microsoft.com/office/drawing/2014/main" xmlns="" id="{EB6358BD-E64A-4EB3-BC0C-DC392DECBEC5}"/>
               </a:ext>
             </a:extLst>
           </p:cNvPr>
@@ -4814,7 +4814,7 @@
           <p:cNvPr id="2" name="標題 1">
             <a:extLst>
               <a:ext uri="{FF2B5EF4-FFF2-40B4-BE49-F238E27FC236}">
-                <a16:creationId xmlns:a16="http://schemas.microsoft.com/office/drawing/2014/main" id="{B6F19538-A7B0-46ED-A8F2-A6C364FDBE8A}"/>
+                <a16:creationId xmlns:a16="http://schemas.microsoft.com/office/drawing/2014/main" xmlns="" id="{B6F19538-A7B0-46ED-A8F2-A6C364FDBE8A}"/>
               </a:ext>
             </a:extLst>
           </p:cNvPr>
@@ -4852,7 +4852,7 @@
           <p:cNvPr id="4" name="文字方塊 3">
             <a:extLst>
               <a:ext uri="{FF2B5EF4-FFF2-40B4-BE49-F238E27FC236}">
-                <a16:creationId xmlns:a16="http://schemas.microsoft.com/office/drawing/2014/main" id="{66F53798-F7A3-4176-A6B9-674640606964}"/>
+                <a16:creationId xmlns:a16="http://schemas.microsoft.com/office/drawing/2014/main" xmlns="" id="{66F53798-F7A3-4176-A6B9-674640606964}"/>
               </a:ext>
             </a:extLst>
           </p:cNvPr>
@@ -4931,7 +4931,7 @@
           <p:cNvPr id="5" name="矩形 4">
             <a:extLst>
               <a:ext uri="{FF2B5EF4-FFF2-40B4-BE49-F238E27FC236}">
-                <a16:creationId xmlns:a16="http://schemas.microsoft.com/office/drawing/2014/main" id="{291E6177-D489-4BED-8E5C-D6E195F75BC7}"/>
+                <a16:creationId xmlns:a16="http://schemas.microsoft.com/office/drawing/2014/main" xmlns="" id="{291E6177-D489-4BED-8E5C-D6E195F75BC7}"/>
               </a:ext>
             </a:extLst>
           </p:cNvPr>
@@ -5549,7 +5549,7 @@
           <p:cNvPr id="3" name="文字方塊 2">
             <a:extLst>
               <a:ext uri="{FF2B5EF4-FFF2-40B4-BE49-F238E27FC236}">
-                <a16:creationId xmlns:a16="http://schemas.microsoft.com/office/drawing/2014/main" id="{315AF63C-845A-454D-9A9C-5DFDA46B8A67}"/>
+                <a16:creationId xmlns:a16="http://schemas.microsoft.com/office/drawing/2014/main" xmlns="" id="{315AF63C-845A-454D-9A9C-5DFDA46B8A67}"/>
               </a:ext>
             </a:extLst>
           </p:cNvPr>
@@ -5679,7 +5679,7 @@
           <p:cNvPr id="2" name="標題 1">
             <a:extLst>
               <a:ext uri="{FF2B5EF4-FFF2-40B4-BE49-F238E27FC236}">
-                <a16:creationId xmlns:a16="http://schemas.microsoft.com/office/drawing/2014/main" id="{202476A0-59FF-4213-90AF-C217A5319B22}"/>
+                <a16:creationId xmlns:a16="http://schemas.microsoft.com/office/drawing/2014/main" xmlns="" id="{202476A0-59FF-4213-90AF-C217A5319B22}"/>
               </a:ext>
             </a:extLst>
           </p:cNvPr>
@@ -5712,7 +5712,7 @@
           <p:cNvPr id="4" name="文字方塊 3">
             <a:extLst>
               <a:ext uri="{FF2B5EF4-FFF2-40B4-BE49-F238E27FC236}">
-                <a16:creationId xmlns:a16="http://schemas.microsoft.com/office/drawing/2014/main" id="{C3E5A4F1-B8E7-449A-A101-08810A20D05D}"/>
+                <a16:creationId xmlns:a16="http://schemas.microsoft.com/office/drawing/2014/main" xmlns="" id="{C3E5A4F1-B8E7-449A-A101-08810A20D05D}"/>
               </a:ext>
             </a:extLst>
           </p:cNvPr>
@@ -5755,7 +5755,7 @@
           <p:cNvPr id="5" name="矩形 4">
             <a:extLst>
               <a:ext uri="{FF2B5EF4-FFF2-40B4-BE49-F238E27FC236}">
-                <a16:creationId xmlns:a16="http://schemas.microsoft.com/office/drawing/2014/main" id="{5309697B-6BC5-4B50-92BE-D6C9A52F2151}"/>
+                <a16:creationId xmlns:a16="http://schemas.microsoft.com/office/drawing/2014/main" xmlns="" id="{5309697B-6BC5-4B50-92BE-D6C9A52F2151}"/>
               </a:ext>
             </a:extLst>
           </p:cNvPr>
@@ -6031,7 +6031,7 @@
           <p:cNvPr id="6" name="文字方塊 5">
             <a:extLst>
               <a:ext uri="{FF2B5EF4-FFF2-40B4-BE49-F238E27FC236}">
-                <a16:creationId xmlns:a16="http://schemas.microsoft.com/office/drawing/2014/main" id="{9794C7AE-6B01-450A-9848-4C2FD03BBAEE}"/>
+                <a16:creationId xmlns:a16="http://schemas.microsoft.com/office/drawing/2014/main" xmlns="" id="{9794C7AE-6B01-450A-9848-4C2FD03BBAEE}"/>
               </a:ext>
             </a:extLst>
           </p:cNvPr>
@@ -6075,7 +6075,7 @@
           <p:cNvPr id="7" name="矩形 6">
             <a:extLst>
               <a:ext uri="{FF2B5EF4-FFF2-40B4-BE49-F238E27FC236}">
-                <a16:creationId xmlns:a16="http://schemas.microsoft.com/office/drawing/2014/main" id="{01B30600-7462-400A-8849-B955F75D38D7}"/>
+                <a16:creationId xmlns:a16="http://schemas.microsoft.com/office/drawing/2014/main" xmlns="" id="{01B30600-7462-400A-8849-B955F75D38D7}"/>
               </a:ext>
             </a:extLst>
           </p:cNvPr>
@@ -6389,7 +6389,7 @@
           <p:cNvPr id="3" name="矩形 2">
             <a:extLst>
               <a:ext uri="{FF2B5EF4-FFF2-40B4-BE49-F238E27FC236}">
-                <a16:creationId xmlns:a16="http://schemas.microsoft.com/office/drawing/2014/main" id="{B18D5551-DCE0-4055-A4F0-888A198D87A3}"/>
+                <a16:creationId xmlns:a16="http://schemas.microsoft.com/office/drawing/2014/main" xmlns="" id="{B18D5551-DCE0-4055-A4F0-888A198D87A3}"/>
               </a:ext>
             </a:extLst>
           </p:cNvPr>
@@ -6703,7 +6703,7 @@
           <p:cNvPr id="8" name="文字方塊 7">
             <a:extLst>
               <a:ext uri="{FF2B5EF4-FFF2-40B4-BE49-F238E27FC236}">
-                <a16:creationId xmlns:a16="http://schemas.microsoft.com/office/drawing/2014/main" id="{7C6CD58E-91E3-4F68-9AE2-943B0050D2D2}"/>
+                <a16:creationId xmlns:a16="http://schemas.microsoft.com/office/drawing/2014/main" xmlns="" id="{7C6CD58E-91E3-4F68-9AE2-943B0050D2D2}"/>
               </a:ext>
             </a:extLst>
           </p:cNvPr>
@@ -6789,7 +6789,7 @@
           <p:cNvPr id="10" name="矩形 9">
             <a:extLst>
               <a:ext uri="{FF2B5EF4-FFF2-40B4-BE49-F238E27FC236}">
-                <a16:creationId xmlns:a16="http://schemas.microsoft.com/office/drawing/2014/main" id="{C14EB46E-69D9-4C7B-8C0E-CFF1B4FD7ACE}"/>
+                <a16:creationId xmlns:a16="http://schemas.microsoft.com/office/drawing/2014/main" xmlns="" id="{C14EB46E-69D9-4C7B-8C0E-CFF1B4FD7ACE}"/>
               </a:ext>
             </a:extLst>
           </p:cNvPr>
@@ -6851,7 +6851,7 @@
           <p:cNvPr id="11" name="矩形 10">
             <a:extLst>
               <a:ext uri="{FF2B5EF4-FFF2-40B4-BE49-F238E27FC236}">
-                <a16:creationId xmlns:a16="http://schemas.microsoft.com/office/drawing/2014/main" id="{043B8B7A-B291-47AF-B5CD-D6E8013F87CC}"/>
+                <a16:creationId xmlns:a16="http://schemas.microsoft.com/office/drawing/2014/main" xmlns="" id="{043B8B7A-B291-47AF-B5CD-D6E8013F87CC}"/>
               </a:ext>
             </a:extLst>
           </p:cNvPr>
@@ -6943,7 +6943,7 @@
           <p:cNvPr id="2" name="標題 1">
             <a:extLst>
               <a:ext uri="{FF2B5EF4-FFF2-40B4-BE49-F238E27FC236}">
-                <a16:creationId xmlns:a16="http://schemas.microsoft.com/office/drawing/2014/main" id="{BA02BC0F-AD98-496A-AF33-6A29DDBF98F3}"/>
+                <a16:creationId xmlns:a16="http://schemas.microsoft.com/office/drawing/2014/main" xmlns="" id="{BA02BC0F-AD98-496A-AF33-6A29DDBF98F3}"/>
               </a:ext>
             </a:extLst>
           </p:cNvPr>
@@ -6976,7 +6976,7 @@
           <p:cNvPr id="1026" name="Picture 2">
             <a:extLst>
               <a:ext uri="{FF2B5EF4-FFF2-40B4-BE49-F238E27FC236}">
-                <a16:creationId xmlns:a16="http://schemas.microsoft.com/office/drawing/2014/main" id="{6EC70637-8DA8-49DC-B8FD-A12831F485A7}"/>
+                <a16:creationId xmlns:a16="http://schemas.microsoft.com/office/drawing/2014/main" xmlns="" id="{6EC70637-8DA8-49DC-B8FD-A12831F485A7}"/>
               </a:ext>
             </a:extLst>
           </p:cNvPr>
@@ -6998,7 +6998,7 @@
         </p:blipFill>
         <p:spPr bwMode="auto">
           <a:xfrm>
-            <a:off x="2586699" y="1338265"/>
+            <a:off x="2586699" y="4264343"/>
             <a:ext cx="6400139" cy="2247900"/>
           </a:xfrm>
           <a:prstGeom prst="rect">
@@ -7016,57 +7016,12 @@
           </a:extLst>
         </p:spPr>
       </p:pic>
-      <p:pic>
-        <p:nvPicPr>
-          <p:cNvPr id="1028" name="Picture 4">
-            <a:extLst>
-              <a:ext uri="{FF2B5EF4-FFF2-40B4-BE49-F238E27FC236}">
-                <a16:creationId xmlns:a16="http://schemas.microsoft.com/office/drawing/2014/main" id="{D4ABD14F-C849-4068-A8B1-3E562BE3F4EC}"/>
-              </a:ext>
-            </a:extLst>
-          </p:cNvPr>
-          <p:cNvPicPr>
-            <a:picLocks noChangeAspect="1" noChangeArrowheads="1"/>
-          </p:cNvPicPr>
-          <p:nvPr/>
-        </p:nvPicPr>
-        <p:blipFill rotWithShape="1">
-          <a:blip r:embed="rId3">
-            <a:extLst>
-              <a:ext uri="{28A0092B-C50C-407E-A947-70E740481C1C}">
-                <a14:useLocalDpi xmlns:a14="http://schemas.microsoft.com/office/drawing/2010/main" val="0"/>
-              </a:ext>
-            </a:extLst>
-          </a:blip>
-          <a:srcRect r="63217"/>
-          <a:stretch/>
-        </p:blipFill>
-        <p:spPr bwMode="auto">
-          <a:xfrm>
-            <a:off x="2586699" y="3777770"/>
-            <a:ext cx="3748787" cy="2838450"/>
-          </a:xfrm>
-          <a:prstGeom prst="rect">
-            <a:avLst/>
-          </a:prstGeom>
-          <a:noFill/>
-          <a:extLst>
-            <a:ext uri="{909E8E84-426E-40DD-AFC4-6F175D3DCCD1}">
-              <a14:hiddenFill xmlns:a14="http://schemas.microsoft.com/office/drawing/2010/main">
-                <a:solidFill>
-                  <a:srgbClr val="FFFFFF"/>
-                </a:solidFill>
-              </a14:hiddenFill>
-            </a:ext>
-          </a:extLst>
-        </p:spPr>
-      </p:pic>
       <p:sp>
         <p:nvSpPr>
           <p:cNvPr id="4" name="矩形 3">
             <a:extLst>
               <a:ext uri="{FF2B5EF4-FFF2-40B4-BE49-F238E27FC236}">
-                <a16:creationId xmlns:a16="http://schemas.microsoft.com/office/drawing/2014/main" id="{EFBE01CB-E687-4BF1-B39F-826B76ED91BA}"/>
+                <a16:creationId xmlns:a16="http://schemas.microsoft.com/office/drawing/2014/main" xmlns="" id="{EFBE01CB-E687-4BF1-B39F-826B76ED91BA}"/>
               </a:ext>
             </a:extLst>
           </p:cNvPr>
@@ -7075,7 +7030,7 @@
         </p:nvSpPr>
         <p:spPr>
           <a:xfrm>
-            <a:off x="870858" y="1389285"/>
+            <a:off x="870858" y="4315363"/>
             <a:ext cx="1276311" cy="369332"/>
           </a:xfrm>
           <a:prstGeom prst="rect">
@@ -7089,8 +7044,8 @@
           <a:lstStyle/>
           <a:p>
             <a:r>
-              <a:rPr lang="zh-TW" altLang="en-US" dirty="0"/>
-              <a:t>執行結果 </a:t>
+              <a:rPr lang="zh-TW" altLang="en-US" smtClean="0"/>
+              <a:t>執行時間 </a:t>
             </a:r>
             <a:r>
               <a:rPr lang="en-US" altLang="zh-TW" dirty="0"/>
@@ -7102,10 +7057,10 @@
       </p:sp>
       <p:sp>
         <p:nvSpPr>
-          <p:cNvPr id="7" name="矩形 6">
-            <a:extLst>
-              <a:ext uri="{FF2B5EF4-FFF2-40B4-BE49-F238E27FC236}">
-                <a16:creationId xmlns:a16="http://schemas.microsoft.com/office/drawing/2014/main" id="{98EEAC4F-9FA1-46C9-898E-B3B9EF6AA09A}"/>
+          <p:cNvPr id="8" name="矩形 7">
+            <a:extLst>
+              <a:ext uri="{FF2B5EF4-FFF2-40B4-BE49-F238E27FC236}">
+                <a16:creationId xmlns:a16="http://schemas.microsoft.com/office/drawing/2014/main" xmlns="" id="{B4A67F0B-7EE4-4E21-97B4-B65EF4374502}"/>
               </a:ext>
             </a:extLst>
           </p:cNvPr>
@@ -7114,46 +7069,7 @@
         </p:nvSpPr>
         <p:spPr>
           <a:xfrm>
-            <a:off x="870857" y="3777770"/>
-            <a:ext cx="1276311" cy="369332"/>
-          </a:xfrm>
-          <a:prstGeom prst="rect">
-            <a:avLst/>
-          </a:prstGeom>
-        </p:spPr>
-        <p:txBody>
-          <a:bodyPr wrap="none">
-            <a:spAutoFit/>
-          </a:bodyPr>
-          <a:lstStyle/>
-          <a:p>
-            <a:r>
-              <a:rPr lang="zh-TW" altLang="en-US" dirty="0"/>
-              <a:t>執行時間 </a:t>
-            </a:r>
-            <a:r>
-              <a:rPr lang="en-US" altLang="zh-TW" dirty="0"/>
-              <a:t>: </a:t>
-            </a:r>
-            <a:endParaRPr lang="zh-TW" altLang="en-US" dirty="0"/>
-          </a:p>
-        </p:txBody>
-      </p:sp>
-      <p:sp>
-        <p:nvSpPr>
-          <p:cNvPr id="8" name="矩形 7">
-            <a:extLst>
-              <a:ext uri="{FF2B5EF4-FFF2-40B4-BE49-F238E27FC236}">
-                <a16:creationId xmlns:a16="http://schemas.microsoft.com/office/drawing/2014/main" id="{B4A67F0B-7EE4-4E21-97B4-B65EF4374502}"/>
-              </a:ext>
-            </a:extLst>
-          </p:cNvPr>
-          <p:cNvSpPr/>
-          <p:nvPr/>
-        </p:nvSpPr>
-        <p:spPr>
-          <a:xfrm>
-            <a:off x="870858" y="1277613"/>
+            <a:off x="870858" y="4203691"/>
             <a:ext cx="8239276" cy="2308552"/>
           </a:xfrm>
           <a:prstGeom prst="rect">
@@ -7201,12 +7117,57 @@
           </a:p>
         </p:txBody>
       </p:sp>
-      <p:sp>
-        <p:nvSpPr>
-          <p:cNvPr id="9" name="矩形 8">
-            <a:extLst>
-              <a:ext uri="{FF2B5EF4-FFF2-40B4-BE49-F238E27FC236}">
-                <a16:creationId xmlns:a16="http://schemas.microsoft.com/office/drawing/2014/main" id="{FFF9401A-20A8-44A3-8027-88E2A18A5741}"/>
+      <p:pic>
+        <p:nvPicPr>
+          <p:cNvPr id="10" name="Picture 4">
+            <a:extLst>
+              <a:ext uri="{FF2B5EF4-FFF2-40B4-BE49-F238E27FC236}">
+                <a16:creationId xmlns:a16="http://schemas.microsoft.com/office/drawing/2014/main" xmlns="" id="{D4ABD14F-C849-4068-A8B1-3E562BE3F4EC}"/>
+              </a:ext>
+            </a:extLst>
+          </p:cNvPr>
+          <p:cNvPicPr>
+            <a:picLocks noChangeAspect="1" noChangeArrowheads="1"/>
+          </p:cNvPicPr>
+          <p:nvPr/>
+        </p:nvPicPr>
+        <p:blipFill rotWithShape="1">
+          <a:blip r:embed="rId3">
+            <a:extLst>
+              <a:ext uri="{28A0092B-C50C-407E-A947-70E740481C1C}">
+                <a14:useLocalDpi xmlns:a14="http://schemas.microsoft.com/office/drawing/2010/main" val="0"/>
+              </a:ext>
+            </a:extLst>
+          </a:blip>
+          <a:srcRect r="63217"/>
+          <a:stretch/>
+        </p:blipFill>
+        <p:spPr bwMode="auto">
+          <a:xfrm>
+            <a:off x="2586698" y="1241316"/>
+            <a:ext cx="3748787" cy="2838450"/>
+          </a:xfrm>
+          <a:prstGeom prst="rect">
+            <a:avLst/>
+          </a:prstGeom>
+          <a:noFill/>
+          <a:extLst>
+            <a:ext uri="{909E8E84-426E-40DD-AFC4-6F175D3DCCD1}">
+              <a14:hiddenFill xmlns:a14="http://schemas.microsoft.com/office/drawing/2010/main">
+                <a:solidFill>
+                  <a:srgbClr val="FFFFFF"/>
+                </a:solidFill>
+              </a14:hiddenFill>
+            </a:ext>
+          </a:extLst>
+        </p:spPr>
+      </p:pic>
+      <p:sp>
+        <p:nvSpPr>
+          <p:cNvPr id="11" name="矩形 10">
+            <a:extLst>
+              <a:ext uri="{FF2B5EF4-FFF2-40B4-BE49-F238E27FC236}">
+                <a16:creationId xmlns:a16="http://schemas.microsoft.com/office/drawing/2014/main" xmlns="" id="{98EEAC4F-9FA1-46C9-898E-B3B9EF6AA09A}"/>
               </a:ext>
             </a:extLst>
           </p:cNvPr>
@@ -7215,7 +7176,46 @@
         </p:nvSpPr>
         <p:spPr>
           <a:xfrm>
-            <a:off x="870858" y="3719368"/>
+            <a:off x="870856" y="1241316"/>
+            <a:ext cx="1223412" cy="369332"/>
+          </a:xfrm>
+          <a:prstGeom prst="rect">
+            <a:avLst/>
+          </a:prstGeom>
+        </p:spPr>
+        <p:txBody>
+          <a:bodyPr wrap="none">
+            <a:spAutoFit/>
+          </a:bodyPr>
+          <a:lstStyle/>
+          <a:p>
+            <a:r>
+              <a:rPr lang="zh-TW" altLang="en-US" dirty="0"/>
+              <a:t>執行結果</a:t>
+            </a:r>
+            <a:r>
+              <a:rPr lang="en-US" altLang="zh-TW" dirty="0" smtClean="0"/>
+              <a:t>: </a:t>
+            </a:r>
+            <a:endParaRPr lang="zh-TW" altLang="en-US" dirty="0"/>
+          </a:p>
+        </p:txBody>
+      </p:sp>
+      <p:sp>
+        <p:nvSpPr>
+          <p:cNvPr id="12" name="矩形 11">
+            <a:extLst>
+              <a:ext uri="{FF2B5EF4-FFF2-40B4-BE49-F238E27FC236}">
+                <a16:creationId xmlns:a16="http://schemas.microsoft.com/office/drawing/2014/main" xmlns="" id="{FFF9401A-20A8-44A3-8027-88E2A18A5741}"/>
+              </a:ext>
+            </a:extLst>
+          </p:cNvPr>
+          <p:cNvSpPr/>
+          <p:nvPr/>
+        </p:nvSpPr>
+        <p:spPr>
+          <a:xfrm>
+            <a:off x="870857" y="1182914"/>
             <a:ext cx="8239276" cy="2896852"/>
           </a:xfrm>
           <a:prstGeom prst="rect">
@@ -7565,7 +7565,7 @@
   <a:extraClrSchemeLst/>
   <a:extLst>
     <a:ext uri="{05A4C25C-085E-4340-85A3-A5531E510DB2}">
-      <thm15:themeFamily xmlns:thm15="http://schemas.microsoft.com/office/thememl/2012/main" name="Office Theme" id="{62F939B6-93AF-4DB8-9C6B-D6C7DFDC589F}" vid="{4A3C46E8-61CC-4603-A589-7422A47A8E4A}"/>
+      <thm15:themeFamily xmlns:thm15="http://schemas.microsoft.com/office/thememl/2012/main" xmlns="" name="Office Theme" id="{62F939B6-93AF-4DB8-9C6B-D6C7DFDC589F}" vid="{4A3C46E8-61CC-4603-A589-7422A47A8E4A}"/>
     </a:ext>
   </a:extLst>
 </a:theme>
